--- a/Whatsapp_Bot_Tutorial_16.pptx
+++ b/Whatsapp_Bot_Tutorial_16.pptx
@@ -3844,7 +3844,15 @@
             </a:r>
             <a:r>
               <a:rPr lang="de-DE" dirty="0" err="1"/>
-              <a:t>Otp</a:t>
+              <a:t>Otp|</a:t>
+            </a:r>
+            <a:r>
+              <a:rPr lang="de-DE" err="1"/>
+              <a:t>part</a:t>
+            </a:r>
+            <a:r>
+              <a:rPr lang="de-DE"/>
+              <a:t>:1</a:t>
             </a:r>
             <a:endParaRPr lang="de-DE" dirty="0"/>
           </a:p>
